--- a/Sprint 2 Presentation.pptx
+++ b/Sprint 2 Presentation.pptx
@@ -11,6 +11,7 @@
     <p:sldId id="259" r:id="rId5"/>
     <p:sldId id="260" r:id="rId6"/>
     <p:sldId id="262" r:id="rId7"/>
+    <p:sldId id="263" r:id="rId8"/>
   </p:sldIdLst>
   <p:sldSz cx="12192000" cy="6858000"/>
   <p:notesSz cx="6858000" cy="9144000"/>
@@ -120,7 +121,7 @@
 <file path=ppt/revisionInfo.xml><?xml version="1.0" encoding="utf-8"?>
 <p1510:revInfo xmlns:a="http://schemas.openxmlformats.org/drawingml/2006/main" xmlns:r="http://schemas.openxmlformats.org/officeDocument/2006/relationships" xmlns:p1510="http://schemas.microsoft.com/office/powerpoint/2015/10/main">
   <p1510:revLst>
-    <p1510:client id="{6EFB3E3C-F499-4127-AF73-0D19B9E0E661}" v="152" dt="2024-07-27T10:54:46.487"/>
+    <p1510:client id="{6EFB3E3C-F499-4127-AF73-0D19B9E0E661}" v="154" dt="2024-07-27T14:10:17.150"/>
   </p1510:revLst>
 </p1510:revInfo>
 </file>
@@ -129,8 +130,8 @@
 <pc:chgInfo xmlns:a="http://schemas.openxmlformats.org/drawingml/2006/main" xmlns:r="http://schemas.openxmlformats.org/officeDocument/2006/relationships" xmlns:ac="http://schemas.microsoft.com/office/drawing/2013/main/command" xmlns:pc="http://schemas.microsoft.com/office/powerpoint/2013/main/command">
   <pc:docChgLst>
     <pc:chgData name="Lakshmi Krishnan" userId="7ce111160f810344" providerId="LiveId" clId="{6EFB3E3C-F499-4127-AF73-0D19B9E0E661}"/>
-    <pc:docChg chg="undo custSel modSld">
-      <pc:chgData name="Lakshmi Krishnan" userId="7ce111160f810344" providerId="LiveId" clId="{6EFB3E3C-F499-4127-AF73-0D19B9E0E661}" dt="2024-07-27T10:55:08.226" v="261" actId="1076"/>
+    <pc:docChg chg="undo custSel addSld delSld modSld">
+      <pc:chgData name="Lakshmi Krishnan" userId="7ce111160f810344" providerId="LiveId" clId="{6EFB3E3C-F499-4127-AF73-0D19B9E0E661}" dt="2024-07-27T15:11:33.844" v="339" actId="20577"/>
       <pc:docMkLst>
         <pc:docMk/>
       </pc:docMkLst>
@@ -181,13 +182,13 @@
         </pc:spChg>
       </pc:sldChg>
       <pc:sldChg chg="modSp mod">
-        <pc:chgData name="Lakshmi Krishnan" userId="7ce111160f810344" providerId="LiveId" clId="{6EFB3E3C-F499-4127-AF73-0D19B9E0E661}" dt="2024-07-27T10:51:13.910" v="235" actId="1076"/>
+        <pc:chgData name="Lakshmi Krishnan" userId="7ce111160f810344" providerId="LiveId" clId="{6EFB3E3C-F499-4127-AF73-0D19B9E0E661}" dt="2024-07-27T14:10:25.569" v="289" actId="1076"/>
         <pc:sldMkLst>
           <pc:docMk/>
           <pc:sldMk cId="2850191441" sldId="258"/>
         </pc:sldMkLst>
         <pc:spChg chg="mod">
-          <ac:chgData name="Lakshmi Krishnan" userId="7ce111160f810344" providerId="LiveId" clId="{6EFB3E3C-F499-4127-AF73-0D19B9E0E661}" dt="2024-07-27T10:50:15.296" v="229" actId="1076"/>
+          <ac:chgData name="Lakshmi Krishnan" userId="7ce111160f810344" providerId="LiveId" clId="{6EFB3E3C-F499-4127-AF73-0D19B9E0E661}" dt="2024-07-27T14:10:21.327" v="288" actId="1076"/>
           <ac:spMkLst>
             <pc:docMk/>
             <pc:sldMk cId="2850191441" sldId="258"/>
@@ -195,7 +196,7 @@
           </ac:spMkLst>
         </pc:spChg>
         <pc:spChg chg="mod">
-          <ac:chgData name="Lakshmi Krishnan" userId="7ce111160f810344" providerId="LiveId" clId="{6EFB3E3C-F499-4127-AF73-0D19B9E0E661}" dt="2024-07-27T10:51:13.910" v="235" actId="1076"/>
+          <ac:chgData name="Lakshmi Krishnan" userId="7ce111160f810344" providerId="LiveId" clId="{6EFB3E3C-F499-4127-AF73-0D19B9E0E661}" dt="2024-07-27T14:10:25.569" v="289" actId="1076"/>
           <ac:spMkLst>
             <pc:docMk/>
             <pc:sldMk cId="2850191441" sldId="258"/>
@@ -203,7 +204,7 @@
           </ac:spMkLst>
         </pc:spChg>
         <pc:picChg chg="mod">
-          <ac:chgData name="Lakshmi Krishnan" userId="7ce111160f810344" providerId="LiveId" clId="{6EFB3E3C-F499-4127-AF73-0D19B9E0E661}" dt="2024-07-27T10:50:04.470" v="224" actId="1076"/>
+          <ac:chgData name="Lakshmi Krishnan" userId="7ce111160f810344" providerId="LiveId" clId="{6EFB3E3C-F499-4127-AF73-0D19B9E0E661}" dt="2024-07-27T14:10:17.149" v="287" actId="1076"/>
           <ac:picMkLst>
             <pc:docMk/>
             <pc:sldMk cId="2850191441" sldId="258"/>
@@ -243,7 +244,7 @@
         </pc:picChg>
       </pc:sldChg>
       <pc:sldChg chg="modSp mod">
-        <pc:chgData name="Lakshmi Krishnan" userId="7ce111160f810344" providerId="LiveId" clId="{6EFB3E3C-F499-4127-AF73-0D19B9E0E661}" dt="2024-07-27T10:54:58.687" v="260" actId="27636"/>
+        <pc:chgData name="Lakshmi Krishnan" userId="7ce111160f810344" providerId="LiveId" clId="{6EFB3E3C-F499-4127-AF73-0D19B9E0E661}" dt="2024-07-27T15:11:33.844" v="339" actId="20577"/>
         <pc:sldMkLst>
           <pc:docMk/>
           <pc:sldMk cId="3111104521" sldId="260"/>
@@ -257,7 +258,7 @@
           </ac:spMkLst>
         </pc:spChg>
         <pc:spChg chg="mod">
-          <ac:chgData name="Lakshmi Krishnan" userId="7ce111160f810344" providerId="LiveId" clId="{6EFB3E3C-F499-4127-AF73-0D19B9E0E661}" dt="2024-07-27T10:54:58.687" v="260" actId="27636"/>
+          <ac:chgData name="Lakshmi Krishnan" userId="7ce111160f810344" providerId="LiveId" clId="{6EFB3E3C-F499-4127-AF73-0D19B9E0E661}" dt="2024-07-27T15:11:33.844" v="339" actId="20577"/>
           <ac:spMkLst>
             <pc:docMk/>
             <pc:sldMk cId="3111104521" sldId="260"/>
@@ -282,7 +283,7 @@
         </pc:picChg>
       </pc:sldChg>
       <pc:sldChg chg="modSp mod">
-        <pc:chgData name="Lakshmi Krishnan" userId="7ce111160f810344" providerId="LiveId" clId="{6EFB3E3C-F499-4127-AF73-0D19B9E0E661}" dt="2024-07-27T10:55:08.226" v="261" actId="1076"/>
+        <pc:chgData name="Lakshmi Krishnan" userId="7ce111160f810344" providerId="LiveId" clId="{6EFB3E3C-F499-4127-AF73-0D19B9E0E661}" dt="2024-07-27T15:00:46.936" v="293" actId="14100"/>
         <pc:sldMkLst>
           <pc:docMk/>
           <pc:sldMk cId="2101558666" sldId="262"/>
@@ -296,7 +297,7 @@
           </ac:spMkLst>
         </pc:spChg>
         <pc:spChg chg="mod">
-          <ac:chgData name="Lakshmi Krishnan" userId="7ce111160f810344" providerId="LiveId" clId="{6EFB3E3C-F499-4127-AF73-0D19B9E0E661}" dt="2024-07-27T10:53:09.030" v="252" actId="20577"/>
+          <ac:chgData name="Lakshmi Krishnan" userId="7ce111160f810344" providerId="LiveId" clId="{6EFB3E3C-F499-4127-AF73-0D19B9E0E661}" dt="2024-07-27T14:27:20.932" v="290" actId="1076"/>
           <ac:spMkLst>
             <pc:docMk/>
             <pc:sldMk cId="2101558666" sldId="262"/>
@@ -304,13 +305,35 @@
           </ac:spMkLst>
         </pc:spChg>
         <pc:picChg chg="mod">
-          <ac:chgData name="Lakshmi Krishnan" userId="7ce111160f810344" providerId="LiveId" clId="{6EFB3E3C-F499-4127-AF73-0D19B9E0E661}" dt="2024-07-27T10:53:31.955" v="253" actId="1076"/>
+          <ac:chgData name="Lakshmi Krishnan" userId="7ce111160f810344" providerId="LiveId" clId="{6EFB3E3C-F499-4127-AF73-0D19B9E0E661}" dt="2024-07-27T15:00:46.936" v="293" actId="14100"/>
           <ac:picMkLst>
             <pc:docMk/>
             <pc:sldMk cId="2101558666" sldId="262"/>
             <ac:picMk id="5" creationId="{AB4D838A-3892-5AB8-D44E-FAE661FA4703}"/>
           </ac:picMkLst>
         </pc:picChg>
+      </pc:sldChg>
+      <pc:sldChg chg="modSp new mod">
+        <pc:chgData name="Lakshmi Krishnan" userId="7ce111160f810344" providerId="LiveId" clId="{6EFB3E3C-F499-4127-AF73-0D19B9E0E661}" dt="2024-07-27T15:11:05.715" v="313" actId="122"/>
+        <pc:sldMkLst>
+          <pc:docMk/>
+          <pc:sldMk cId="1371875091" sldId="263"/>
+        </pc:sldMkLst>
+        <pc:spChg chg="mod">
+          <ac:chgData name="Lakshmi Krishnan" userId="7ce111160f810344" providerId="LiveId" clId="{6EFB3E3C-F499-4127-AF73-0D19B9E0E661}" dt="2024-07-27T15:11:05.715" v="313" actId="122"/>
+          <ac:spMkLst>
+            <pc:docMk/>
+            <pc:sldMk cId="1371875091" sldId="263"/>
+            <ac:spMk id="2" creationId="{D8C12BE5-81A1-CE12-A985-CB0C8E7CA59E}"/>
+          </ac:spMkLst>
+        </pc:spChg>
+      </pc:sldChg>
+      <pc:sldChg chg="new del">
+        <pc:chgData name="Lakshmi Krishnan" userId="7ce111160f810344" providerId="LiveId" clId="{6EFB3E3C-F499-4127-AF73-0D19B9E0E661}" dt="2024-07-27T15:10:29.931" v="295" actId="2696"/>
+        <pc:sldMkLst>
+          <pc:docMk/>
+          <pc:sldMk cId="2944460912" sldId="263"/>
+        </pc:sldMkLst>
       </pc:sldChg>
     </pc:docChg>
   </pc:docChgLst>
@@ -8179,7 +8202,7 @@
         </p:nvSpPr>
         <p:spPr>
           <a:xfrm>
-            <a:off x="1191490" y="4132898"/>
+            <a:off x="1191490" y="3880010"/>
             <a:ext cx="10113264" cy="822960"/>
           </a:xfrm>
         </p:spPr>
@@ -8224,7 +8247,7 @@
         </p:blipFill>
         <p:spPr bwMode="auto">
           <a:xfrm>
-            <a:off x="1191490" y="-27622"/>
+            <a:off x="1191490" y="-121919"/>
             <a:ext cx="9615055" cy="4572000"/>
           </a:xfrm>
           <a:prstGeom prst="rect">
@@ -8260,8 +8283,8 @@
         </p:nvSpPr>
         <p:spPr>
           <a:xfrm>
-            <a:off x="1689748" y="4955858"/>
-            <a:ext cx="10923588" cy="1361354"/>
+            <a:off x="1689748" y="4702970"/>
+            <a:ext cx="10923588" cy="1902142"/>
           </a:xfrm>
         </p:spPr>
         <p:txBody>
@@ -8317,6 +8340,16 @@
             <a:r>
               <a:rPr lang="en-US" sz="7200" dirty="0"/>
               <a:t>Backward Filling method </a:t>
+            </a:r>
+          </a:p>
+          <a:p>
+            <a:pPr marL="285750" indent="-285750">
+              <a:buFont typeface="Arial" panose="020B0604020202020204" pitchFamily="34" charset="0"/>
+              <a:buChar char="•"/>
+            </a:pPr>
+            <a:r>
+              <a:rPr lang="en-US" sz="7200" dirty="0"/>
+              <a:t>Forward Filling method</a:t>
             </a:r>
           </a:p>
           <a:p>
@@ -8716,7 +8749,11 @@
           <a:p>
             <a:r>
               <a:rPr lang="en-US" sz="1600" b="1" dirty="0"/>
-              <a:t>Models Evaluated:</a:t>
+              <a:t>Models Evaluated(With SMOTE </a:t>
+            </a:r>
+            <a:r>
+              <a:rPr lang="en-US" sz="1600" b="1"/>
+              <a:t>and without):</a:t>
             </a:r>
             <a:endParaRPr lang="en-US" sz="1600" dirty="0"/>
           </a:p>
@@ -8977,8 +9014,8 @@
         </p:blipFill>
         <p:spPr>
           <a:xfrm>
-            <a:off x="943264" y="1477486"/>
-            <a:ext cx="5693756" cy="5075093"/>
+            <a:off x="352425" y="1477486"/>
+            <a:ext cx="6847847" cy="5209064"/>
           </a:xfrm>
           <a:prstGeom prst="rect">
             <a:avLst/>
@@ -9001,7 +9038,12 @@
             <p:ph sz="half" idx="2"/>
           </p:nvPr>
         </p:nvSpPr>
-        <p:spPr/>
+        <p:spPr>
+          <a:xfrm>
+            <a:off x="7200272" y="1954772"/>
+            <a:ext cx="4313864" cy="3777622"/>
+          </a:xfrm>
+        </p:spPr>
         <p:txBody>
           <a:bodyPr>
             <a:normAutofit fontScale="47500" lnSpcReduction="20000"/>
@@ -9247,6 +9289,77 @@
     <p:extLst>
       <p:ext uri="{BB962C8B-B14F-4D97-AF65-F5344CB8AC3E}">
         <p14:creationId xmlns:p14="http://schemas.microsoft.com/office/powerpoint/2010/main" val="2101558666"/>
+      </p:ext>
+    </p:extLst>
+  </p:cSld>
+  <p:clrMapOvr>
+    <a:masterClrMapping/>
+  </p:clrMapOvr>
+</p:sld>
+</file>
+
+<file path=ppt/slides/slide7.xml><?xml version="1.0" encoding="utf-8"?>
+<p:sld xmlns:a="http://schemas.openxmlformats.org/drawingml/2006/main" xmlns:r="http://schemas.openxmlformats.org/officeDocument/2006/relationships" xmlns:p="http://schemas.openxmlformats.org/presentationml/2006/main">
+  <p:cSld>
+    <p:spTree>
+      <p:nvGrpSpPr>
+        <p:cNvPr id="1" name=""/>
+        <p:cNvGrpSpPr/>
+        <p:nvPr/>
+      </p:nvGrpSpPr>
+      <p:grpSpPr>
+        <a:xfrm>
+          <a:off x="0" y="0"/>
+          <a:ext cx="0" cy="0"/>
+          <a:chOff x="0" y="0"/>
+          <a:chExt cx="0" cy="0"/>
+        </a:xfrm>
+      </p:grpSpPr>
+      <p:sp>
+        <p:nvSpPr>
+          <p:cNvPr id="2" name="Title 1">
+            <a:extLst>
+              <a:ext uri="{FF2B5EF4-FFF2-40B4-BE49-F238E27FC236}">
+                <a16:creationId xmlns:a16="http://schemas.microsoft.com/office/drawing/2014/main" id="{D8C12BE5-81A1-CE12-A985-CB0C8E7CA59E}"/>
+              </a:ext>
+            </a:extLst>
+          </p:cNvPr>
+          <p:cNvSpPr>
+            <a:spLocks noGrp="1"/>
+          </p:cNvSpPr>
+          <p:nvPr>
+            <p:ph type="title"/>
+          </p:nvPr>
+        </p:nvSpPr>
+        <p:spPr>
+          <a:xfrm>
+            <a:off x="2318604" y="2699798"/>
+            <a:ext cx="8911687" cy="1280890"/>
+          </a:xfrm>
+        </p:spPr>
+        <p:txBody>
+          <a:bodyPr/>
+          <a:lstStyle/>
+          <a:p>
+            <a:pPr algn="ctr"/>
+            <a:r>
+              <a:rPr lang="en-CA" dirty="0"/>
+              <a:t>Thank you </a:t>
+            </a:r>
+            <a:r>
+              <a:rPr lang="en-CA" dirty="0">
+                <a:sym typeface="Wingdings" panose="05000000000000000000" pitchFamily="2" charset="2"/>
+              </a:rPr>
+              <a:t></a:t>
+            </a:r>
+            <a:endParaRPr lang="en-CA" dirty="0"/>
+          </a:p>
+        </p:txBody>
+      </p:sp>
+    </p:spTree>
+    <p:extLst>
+      <p:ext uri="{BB962C8B-B14F-4D97-AF65-F5344CB8AC3E}">
+        <p14:creationId xmlns:p14="http://schemas.microsoft.com/office/powerpoint/2010/main" val="1371875091"/>
       </p:ext>
     </p:extLst>
   </p:cSld>
